--- a/Day1-Overview/Ch01-ToolsetOverview.pptx
+++ b/Day1-Overview/Ch01-ToolsetOverview.pptx
@@ -304,7 +304,7 @@
                 <a:ea typeface="Tahoma" pitchFamily="34" charset="0"/>
                 <a:cs typeface="Tahoma" pitchFamily="34" charset="0"/>
               </a:rPr>
-              <a:t>811M: Python for Data Scientists</a:t>
+              <a:t>Python Program</a:t>
             </a:r>
           </a:p>
         </p:txBody>
@@ -826,7 +826,7 @@
                 </a:solidFill>
                 <a:latin typeface="Tahoma" pitchFamily="34" charset="0"/>
               </a:rPr>
-              <a:t>811M: Python for Data Scientists</a:t>
+              <a:t>Python Program</a:t>
             </a:r>
           </a:p>
         </p:txBody>
@@ -1824,7 +1824,12 @@
             <p:ph type="sldImg"/>
           </p:nvPr>
         </p:nvSpPr>
-        <p:spPr/>
+        <p:spPr>
+          <a:xfrm>
+            <a:off x="1189038" y="701675"/>
+            <a:ext cx="4676775" cy="3508375"/>
+          </a:xfrm>
+        </p:spPr>
       </p:sp>
       <p:sp>
         <p:nvSpPr>
@@ -1847,7 +1852,7 @@
           <a:bodyPr/>
           <a:lstStyle/>
           <a:p>
-            <a:endParaRPr lang="en-US"/>
+            <a:endParaRPr lang="en-US" dirty="0"/>
           </a:p>
         </p:txBody>
       </p:sp>
@@ -7210,7 +7215,7 @@
                 </a:solidFill>
                 <a:latin typeface="Tahoma" charset="0"/>
               </a:rPr>
-              <a:t>© 2019</a:t>
+              <a:t>© 2020</a:t>
             </a:r>
             <a:r>
               <a:rPr lang="en-US" sz="700" b="0" baseline="0" dirty="0">
@@ -7312,7 +7317,7 @@
                 <a:ea typeface="Tahoma" panose="020B0604030504040204" pitchFamily="34" charset="0"/>
                 <a:cs typeface="Tahoma" panose="020B0604030504040204" pitchFamily="34" charset="0"/>
               </a:rPr>
-              <a:t>811M: Python for Data Scientists</a:t>
+              <a:t>Python Program</a:t>
             </a:r>
           </a:p>
         </p:txBody>
@@ -8096,7 +8101,7 @@
           <a:p>
             <a:r>
               <a:rPr lang="en-US" dirty="0"/>
-              <a:t>Python for Data Scientists</a:t>
+              <a:t>Python Program</a:t>
             </a:r>
           </a:p>
         </p:txBody>
@@ -11018,13 +11023,8 @@
             <a:pPr lvl="1"/>
             <a:r>
               <a:rPr lang="en-US" dirty="0"/>
-              <a:t>Could also be </a:t>
-            </a:r>
-            <a:r>
-              <a:rPr lang="en-US"/>
-              <a:t>written in C</a:t>
-            </a:r>
-            <a:endParaRPr lang="en-US" dirty="0"/>
+              <a:t>Could also be written in C</a:t>
+            </a:r>
           </a:p>
           <a:p>
             <a:r>
@@ -12210,18 +12210,11 @@
           </a:p>
           <a:p>
             <a:r>
-              <a:rPr lang="en-US">
-                <a:latin typeface="Courier New" charset="0"/>
-                <a:cs typeface="Courier New" charset="0"/>
-              </a:rPr>
-              <a:t>import </a:t>
-            </a:r>
-            <a:r>
               <a:rPr lang="en-US" dirty="0">
                 <a:latin typeface="Courier New" charset="0"/>
                 <a:cs typeface="Courier New" charset="0"/>
               </a:rPr>
-              <a:t>seaborn as sns</a:t>
+              <a:t>import seaborn as sns</a:t>
             </a:r>
             <a:endParaRPr lang="en-US" dirty="0"/>
           </a:p>
@@ -12962,12 +12955,8 @@
           </a:p>
           <a:p>
             <a:r>
-              <a:rPr lang="en-US"/>
-              <a:t>You </a:t>
-            </a:r>
-            <a:r>
-              <a:rPr lang="en-US" dirty="0"/>
-              <a:t>can also use regular Python and install the libraries you need with pip</a:t>
+              <a:rPr lang="en-US" dirty="0"/>
+              <a:t>You can also use regular Python and install the libraries you need with pip</a:t>
             </a:r>
           </a:p>
           <a:p>
@@ -15403,17 +15392,12 @@
 </file>
 
 <file path=customXml/item1.xml><?xml version="1.0" encoding="utf-8"?>
-<p:properties xmlns:p="http://schemas.microsoft.com/office/2006/metadata/properties" xmlns:xsi="http://www.w3.org/2001/XMLSchema-instance" xmlns:pc="http://schemas.microsoft.com/office/infopath/2007/PartnerControls">
-  <documentManagement>
-    <_dlc_DocId xmlns="037063e9-a85e-4c78-8627-f1a9315663e5">EVEA5JW6U4JV-6-9956</_dlc_DocId>
-    <_dlc_DocIdUrl xmlns="037063e9-a85e-4c78-8627-f1a9315663e5">
-      <Url>https://portal.roitraining.com/Courses/_layouts/DocIdRedir.aspx?ID=EVEA5JW6U4JV-6-9956</Url>
-      <Description>EVEA5JW6U4JV-6-9956</Description>
-    </_dlc_DocIdUrl>
-    <Date_x0020_last_x0020_used xmlns="027ed24f-5970-4294-be5c-0919c5aaa214" xsi:nil="true"/>
-    <Customization_x0020_Information xmlns="027ed24f-5970-4294-be5c-0919c5aaa214" xsi:nil="true"/>
-  </documentManagement>
-</p:properties>
+<?mso-contentType ?>
+<FormTemplates xmlns="http://schemas.microsoft.com/sharepoint/v3/contenttype/forms">
+  <Display>DocumentLibraryForm</Display>
+  <Edit>DocumentLibraryForm</Edit>
+  <New>DocumentLibraryForm</New>
+</FormTemplates>
 </file>
 
 <file path=customXml/item2.xml><?xml version="1.0" encoding="utf-8"?>
@@ -15463,12 +15447,17 @@
 </file>
 
 <file path=customXml/item3.xml><?xml version="1.0" encoding="utf-8"?>
-<?mso-contentType ?>
-<FormTemplates xmlns="http://schemas.microsoft.com/sharepoint/v3/contenttype/forms">
-  <Display>DocumentLibraryForm</Display>
-  <Edit>DocumentLibraryForm</Edit>
-  <New>DocumentLibraryForm</New>
-</FormTemplates>
+<p:properties xmlns:p="http://schemas.microsoft.com/office/2006/metadata/properties" xmlns:xsi="http://www.w3.org/2001/XMLSchema-instance" xmlns:pc="http://schemas.microsoft.com/office/infopath/2007/PartnerControls">
+  <documentManagement>
+    <_dlc_DocId xmlns="037063e9-a85e-4c78-8627-f1a9315663e5">EVEA5JW6U4JV-6-9956</_dlc_DocId>
+    <_dlc_DocIdUrl xmlns="037063e9-a85e-4c78-8627-f1a9315663e5">
+      <Url>https://portal.roitraining.com/Courses/_layouts/DocIdRedir.aspx?ID=EVEA5JW6U4JV-6-9956</Url>
+      <Description>EVEA5JW6U4JV-6-9956</Description>
+    </_dlc_DocIdUrl>
+    <Date_x0020_last_x0020_used xmlns="027ed24f-5970-4294-be5c-0919c5aaa214" xsi:nil="true"/>
+    <Customization_x0020_Information xmlns="027ed24f-5970-4294-be5c-0919c5aaa214" xsi:nil="true"/>
+  </documentManagement>
+</p:properties>
 </file>
 
 <file path=customXml/item4.xml><?xml version="1.0" encoding="utf-8"?>
@@ -15638,18 +15627,9 @@
 </file>
 
 <file path=customXml/itemProps1.xml><?xml version="1.0" encoding="utf-8"?>
-<ds:datastoreItem xmlns:ds="http://schemas.openxmlformats.org/officeDocument/2006/customXml" ds:itemID="{F47B9207-CE5C-49AD-B414-15CBFA246D65}">
+<ds:datastoreItem xmlns:ds="http://schemas.openxmlformats.org/officeDocument/2006/customXml" ds:itemID="{2DA015F3-603C-4688-A5F3-81D587DAB8C9}">
   <ds:schemaRefs>
-    <ds:schemaRef ds:uri="http://purl.org/dc/terms/"/>
-    <ds:schemaRef ds:uri="http://schemas.microsoft.com/office/2006/metadata/properties"/>
-    <ds:schemaRef ds:uri="http://schemas.microsoft.com/office/2006/documentManagement/types"/>
-    <ds:schemaRef ds:uri="http://purl.org/dc/elements/1.1/"/>
-    <ds:schemaRef ds:uri="037063e9-a85e-4c78-8627-f1a9315663e5"/>
-    <ds:schemaRef ds:uri="http://www.w3.org/XML/1998/namespace"/>
-    <ds:schemaRef ds:uri="http://schemas.microsoft.com/office/infopath/2007/PartnerControls"/>
-    <ds:schemaRef ds:uri="http://schemas.openxmlformats.org/package/2006/metadata/core-properties"/>
-    <ds:schemaRef ds:uri="027ed24f-5970-4294-be5c-0919c5aaa214"/>
-    <ds:schemaRef ds:uri="http://purl.org/dc/dcmitype/"/>
+    <ds:schemaRef ds:uri="http://schemas.microsoft.com/sharepoint/v3/contenttype/forms"/>
   </ds:schemaRefs>
 </ds:datastoreItem>
 </file>
@@ -15663,9 +15643,18 @@
 </file>
 
 <file path=customXml/itemProps3.xml><?xml version="1.0" encoding="utf-8"?>
-<ds:datastoreItem xmlns:ds="http://schemas.openxmlformats.org/officeDocument/2006/customXml" ds:itemID="{2DA015F3-603C-4688-A5F3-81D587DAB8C9}">
+<ds:datastoreItem xmlns:ds="http://schemas.openxmlformats.org/officeDocument/2006/customXml" ds:itemID="{F47B9207-CE5C-49AD-B414-15CBFA246D65}">
   <ds:schemaRefs>
-    <ds:schemaRef ds:uri="http://schemas.microsoft.com/sharepoint/v3/contenttype/forms"/>
+    <ds:schemaRef ds:uri="http://purl.org/dc/terms/"/>
+    <ds:schemaRef ds:uri="http://schemas.microsoft.com/office/2006/metadata/properties"/>
+    <ds:schemaRef ds:uri="http://schemas.microsoft.com/office/2006/documentManagement/types"/>
+    <ds:schemaRef ds:uri="http://purl.org/dc/elements/1.1/"/>
+    <ds:schemaRef ds:uri="037063e9-a85e-4c78-8627-f1a9315663e5"/>
+    <ds:schemaRef ds:uri="http://www.w3.org/XML/1998/namespace"/>
+    <ds:schemaRef ds:uri="http://schemas.microsoft.com/office/infopath/2007/PartnerControls"/>
+    <ds:schemaRef ds:uri="http://schemas.openxmlformats.org/package/2006/metadata/core-properties"/>
+    <ds:schemaRef ds:uri="027ed24f-5970-4294-be5c-0919c5aaa214"/>
+    <ds:schemaRef ds:uri="http://purl.org/dc/dcmitype/"/>
   </ds:schemaRefs>
 </ds:datastoreItem>
 </file>
